--- a/R Brown Bag material.pptx
+++ b/R Brown Bag material.pptx
@@ -9284,20 +9284,20 @@
 </file>
 
 <file path=customXml/item2.xml><?xml version="1.0" encoding="utf-8"?>
-<p:properties xmlns:p="http://schemas.microsoft.com/office/2006/metadata/properties" xmlns:xsi="http://www.w3.org/2001/XMLSchema-instance" xmlns:pc="http://schemas.microsoft.com/office/infopath/2007/PartnerControls">
-  <documentManagement>
-    <IconOverlay xmlns="http://schemas.microsoft.com/sharepoint/v4" xsi:nil="true"/>
-  </documentManagement>
-</p:properties>
-</file>
-
-<file path=customXml/item3.xml><?xml version="1.0" encoding="utf-8"?>
 <?mso-contentType ?>
 <FormTemplates xmlns="http://schemas.microsoft.com/sharepoint/v3/contenttype/forms">
   <Display>DocumentLibraryForm</Display>
   <Edit>DocumentLibraryForm</Edit>
   <New>DocumentLibraryForm</New>
 </FormTemplates>
+</file>
+
+<file path=customXml/item3.xml><?xml version="1.0" encoding="utf-8"?>
+<p:properties xmlns:p="http://schemas.microsoft.com/office/2006/metadata/properties" xmlns:xsi="http://www.w3.org/2001/XMLSchema-instance" xmlns:pc="http://schemas.microsoft.com/office/infopath/2007/PartnerControls">
+  <documentManagement>
+    <IconOverlay xmlns="http://schemas.microsoft.com/sharepoint/v4" xsi:nil="true"/>
+  </documentManagement>
+</p:properties>
 </file>
 
 <file path=customXml/itemProps1.xml><?xml version="1.0" encoding="utf-8"?>
@@ -9321,6 +9321,14 @@
 </file>
 
 <file path=customXml/itemProps2.xml><?xml version="1.0" encoding="utf-8"?>
+<ds:datastoreItem xmlns:ds="http://schemas.openxmlformats.org/officeDocument/2006/customXml" ds:itemID="{EAABB135-AD88-424B-A70F-93719B4573DA}">
+  <ds:schemaRefs>
+    <ds:schemaRef ds:uri="http://schemas.microsoft.com/sharepoint/v3/contenttype/forms"/>
+  </ds:schemaRefs>
+</ds:datastoreItem>
+</file>
+
+<file path=customXml/itemProps3.xml><?xml version="1.0" encoding="utf-8"?>
 <ds:datastoreItem xmlns:ds="http://schemas.openxmlformats.org/officeDocument/2006/customXml" ds:itemID="{C29D7FDE-784D-4DEC-B49C-6F84CF51374D}">
   <ds:schemaRefs>
     <ds:schemaRef ds:uri="http://www.w3.org/XML/1998/namespace"/>
@@ -9336,12 +9344,4 @@
     <ds:schemaRef ds:uri="http://purl.org/dc/terms/"/>
   </ds:schemaRefs>
 </ds:datastoreItem>
-</file>
-
-<file path=customXml/itemProps3.xml><?xml version="1.0" encoding="utf-8"?>
-<ds:datastoreItem xmlns:ds="http://schemas.openxmlformats.org/officeDocument/2006/customXml" ds:itemID="{EAABB135-AD88-424B-A70F-93719B4573DA}">
-  <ds:schemaRefs>
-    <ds:schemaRef ds:uri="http://schemas.microsoft.com/sharepoint/v3/contenttype/forms"/>
-  </ds:schemaRefs>
-</ds:datastoreItem>
 </file>